--- a/lektion_6/ai_and_chatgpt.pptx
+++ b/lektion_6/ai_and_chatgpt.pptx
@@ -13298,53 +13298,6 @@
           </a:p>
         </p:txBody>
       </p:sp>
-      <p:pic>
-        <p:nvPicPr>
-          <p:cNvPr id="4" name="Picture 2" descr="Ingen fotobeskrivning tillgänglig.">
-            <a:extLst>
-              <a:ext uri="{FF2B5EF4-FFF2-40B4-BE49-F238E27FC236}">
-                <a16:creationId xmlns:a16="http://schemas.microsoft.com/office/drawing/2014/main" id="{84B2C97C-CCF1-B155-2FD6-72429179EFD0}"/>
-              </a:ext>
-            </a:extLst>
-          </p:cNvPr>
-          <p:cNvPicPr>
-            <a:picLocks noChangeAspect="1" noChangeArrowheads="1"/>
-          </p:cNvPicPr>
-          <p:nvPr/>
-        </p:nvPicPr>
-        <p:blipFill>
-          <a:blip r:embed="rId2">
-            <a:extLst>
-              <a:ext uri="{28A0092B-C50C-407E-A947-70E740481C1C}">
-                <a14:useLocalDpi xmlns:a14="http://schemas.microsoft.com/office/drawing/2010/main" val="0"/>
-              </a:ext>
-            </a:extLst>
-          </a:blip>
-          <a:srcRect/>
-          <a:stretch>
-            <a:fillRect/>
-          </a:stretch>
-        </p:blipFill>
-        <p:spPr bwMode="auto">
-          <a:xfrm>
-            <a:off x="11076417" y="93298"/>
-            <a:ext cx="934608" cy="934608"/>
-          </a:xfrm>
-          <a:prstGeom prst="rect">
-            <a:avLst/>
-          </a:prstGeom>
-          <a:noFill/>
-          <a:extLst>
-            <a:ext uri="{909E8E84-426E-40DD-AFC4-6F175D3DCCD1}">
-              <a14:hiddenFill xmlns:a14="http://schemas.microsoft.com/office/drawing/2010/main">
-                <a:solidFill>
-                  <a:srgbClr val="FFFFFF"/>
-                </a:solidFill>
-              </a14:hiddenFill>
-            </a:ext>
-          </a:extLst>
-        </p:spPr>
-      </p:pic>
       <p:sp>
         <p:nvSpPr>
           <p:cNvPr id="6" name="Platshållare för bildnummer 5">
